--- a/Final Project – DSC530.pptx
+++ b/Final Project – DSC530.pptx
@@ -13,6 +13,9 @@
     <p:sldId id="261" r:id="rId7"/>
     <p:sldId id="262" r:id="rId8"/>
     <p:sldId id="263" r:id="rId9"/>
+    <p:sldId id="265" r:id="rId10"/>
+    <p:sldId id="266" r:id="rId11"/>
+    <p:sldId id="267" r:id="rId12"/>
   </p:sldIdLst>
   <p:sldSz cx="12192000" cy="6858000"/>
   <p:notesSz cx="6858000" cy="9144000"/>
@@ -111,6 +114,11 @@
       </a:defRPr>
     </a:lvl9pPr>
   </p:defaultTextStyle>
+  <p:extLst>
+    <p:ext uri="{EFAFB233-063F-42B5-8137-9DF3F51BA10A}">
+      <p15:sldGuideLst xmlns:p15="http://schemas.microsoft.com/office/powerpoint/2012/main"/>
+    </p:ext>
+  </p:extLst>
 </p:presentation>
 </file>
 
@@ -339,7 +347,7 @@
             <a:fld id="{5586B75A-687E-405C-8A0B-8D00578BA2C3}" type="datetimeFigureOut">
               <a:rPr lang="en-US" dirty="0"/>
               <a:pPr/>
-              <a:t>8/14/2021</a:t>
+              <a:t>8/15/2021</a:t>
             </a:fld>
             <a:endParaRPr lang="en-US" dirty="0"/>
           </a:p>
@@ -506,7 +514,7 @@
             <a:fld id="{5586B75A-687E-405C-8A0B-8D00578BA2C3}" type="datetimeFigureOut">
               <a:rPr lang="en-US" dirty="0"/>
               <a:pPr/>
-              <a:t>8/14/2021</a:t>
+              <a:t>8/15/2021</a:t>
             </a:fld>
             <a:endParaRPr lang="en-US" dirty="0"/>
           </a:p>
@@ -683,7 +691,7 @@
             <a:fld id="{5586B75A-687E-405C-8A0B-8D00578BA2C3}" type="datetimeFigureOut">
               <a:rPr lang="en-US" dirty="0"/>
               <a:pPr/>
-              <a:t>8/14/2021</a:t>
+              <a:t>8/15/2021</a:t>
             </a:fld>
             <a:endParaRPr lang="en-US" dirty="0"/>
           </a:p>
@@ -850,7 +858,7 @@
             <a:fld id="{5586B75A-687E-405C-8A0B-8D00578BA2C3}" type="datetimeFigureOut">
               <a:rPr lang="en-US" dirty="0"/>
               <a:pPr/>
-              <a:t>8/14/2021</a:t>
+              <a:t>8/15/2021</a:t>
             </a:fld>
             <a:endParaRPr lang="en-US" dirty="0"/>
           </a:p>
@@ -1105,7 +1113,7 @@
             <a:fld id="{5586B75A-687E-405C-8A0B-8D00578BA2C3}" type="datetimeFigureOut">
               <a:rPr lang="en-US" dirty="0"/>
               <a:pPr/>
-              <a:t>8/14/2021</a:t>
+              <a:t>8/15/2021</a:t>
             </a:fld>
             <a:endParaRPr lang="en-US" dirty="0"/>
           </a:p>
@@ -1390,7 +1398,7 @@
             <a:fld id="{5586B75A-687E-405C-8A0B-8D00578BA2C3}" type="datetimeFigureOut">
               <a:rPr lang="en-US" dirty="0"/>
               <a:pPr/>
-              <a:t>8/14/2021</a:t>
+              <a:t>8/15/2021</a:t>
             </a:fld>
             <a:endParaRPr lang="en-US" dirty="0"/>
           </a:p>
@@ -1829,7 +1837,7 @@
             <a:fld id="{5586B75A-687E-405C-8A0B-8D00578BA2C3}" type="datetimeFigureOut">
               <a:rPr lang="en-US" dirty="0"/>
               <a:pPr/>
-              <a:t>8/14/2021</a:t>
+              <a:t>8/15/2021</a:t>
             </a:fld>
             <a:endParaRPr lang="en-US" dirty="0"/>
           </a:p>
@@ -1944,7 +1952,7 @@
             <a:fld id="{5586B75A-687E-405C-8A0B-8D00578BA2C3}" type="datetimeFigureOut">
               <a:rPr lang="en-US" dirty="0"/>
               <a:pPr/>
-              <a:t>8/14/2021</a:t>
+              <a:t>8/15/2021</a:t>
             </a:fld>
             <a:endParaRPr lang="en-US" dirty="0"/>
           </a:p>
@@ -2036,7 +2044,7 @@
             <a:fld id="{5586B75A-687E-405C-8A0B-8D00578BA2C3}" type="datetimeFigureOut">
               <a:rPr lang="en-US" dirty="0"/>
               <a:pPr/>
-              <a:t>8/14/2021</a:t>
+              <a:t>8/15/2021</a:t>
             </a:fld>
             <a:endParaRPr lang="en-US" dirty="0"/>
           </a:p>
@@ -2321,7 +2329,7 @@
             <a:fld id="{5586B75A-687E-405C-8A0B-8D00578BA2C3}" type="datetimeFigureOut">
               <a:rPr lang="en-US" dirty="0"/>
               <a:pPr/>
-              <a:t>8/14/2021</a:t>
+              <a:t>8/15/2021</a:t>
             </a:fld>
             <a:endParaRPr lang="en-US" dirty="0"/>
           </a:p>
@@ -2591,7 +2599,7 @@
             <a:fld id="{5586B75A-687E-405C-8A0B-8D00578BA2C3}" type="datetimeFigureOut">
               <a:rPr lang="en-US" dirty="0"/>
               <a:pPr/>
-              <a:t>8/14/2021</a:t>
+              <a:t>8/15/2021</a:t>
             </a:fld>
             <a:endParaRPr lang="en-US" dirty="0"/>
           </a:p>
@@ -2885,7 +2893,7 @@
             <a:fld id="{5586B75A-687E-405C-8A0B-8D00578BA2C3}" type="datetimeFigureOut">
               <a:rPr lang="en-US" dirty="0"/>
               <a:pPr/>
-              <a:t>8/14/2021</a:t>
+              <a:t>8/15/2021</a:t>
             </a:fld>
             <a:endParaRPr lang="en-US" dirty="0"/>
           </a:p>
@@ -3433,6 +3441,287 @@
 </p:sld>
 </file>
 
+<file path=ppt/slides/slide10.xml><?xml version="1.0" encoding="utf-8"?>
+<p:sld xmlns:a="http://schemas.openxmlformats.org/drawingml/2006/main" xmlns:r="http://schemas.openxmlformats.org/officeDocument/2006/relationships" xmlns:p="http://schemas.openxmlformats.org/presentationml/2006/main">
+  <p:cSld>
+    <p:spTree>
+      <p:nvGrpSpPr>
+        <p:cNvPr id="1" name=""/>
+        <p:cNvGrpSpPr/>
+        <p:nvPr/>
+      </p:nvGrpSpPr>
+      <p:grpSpPr>
+        <a:xfrm>
+          <a:off x="0" y="0"/>
+          <a:ext cx="0" cy="0"/>
+          <a:chOff x="0" y="0"/>
+          <a:chExt cx="0" cy="0"/>
+        </a:xfrm>
+      </p:grpSpPr>
+      <p:sp>
+        <p:nvSpPr>
+          <p:cNvPr id="2" name="Title 1">
+            <a:extLst>
+              <a:ext uri="{FF2B5EF4-FFF2-40B4-BE49-F238E27FC236}">
+                <a16:creationId xmlns:a16="http://schemas.microsoft.com/office/drawing/2014/main" id="{5EB80D33-CB23-42C2-A701-15023D82936E}"/>
+              </a:ext>
+            </a:extLst>
+          </p:cNvPr>
+          <p:cNvSpPr>
+            <a:spLocks noGrp="1"/>
+          </p:cNvSpPr>
+          <p:nvPr>
+            <p:ph type="title"/>
+          </p:nvPr>
+        </p:nvSpPr>
+        <p:spPr/>
+        <p:txBody>
+          <a:bodyPr/>
+          <a:lstStyle/>
+          <a:p>
+            <a:r>
+              <a:rPr lang="en-US" dirty="0"/>
+              <a:t>Hypothesis Test and Regression Analysis</a:t>
+            </a:r>
+          </a:p>
+        </p:txBody>
+      </p:sp>
+      <p:pic>
+        <p:nvPicPr>
+          <p:cNvPr id="4" name="Content Placeholder 3">
+            <a:extLst>
+              <a:ext uri="{FF2B5EF4-FFF2-40B4-BE49-F238E27FC236}">
+                <a16:creationId xmlns:a16="http://schemas.microsoft.com/office/drawing/2014/main" id="{E9B2C1E2-A3FC-47B3-9849-D706FAFA2F4A}"/>
+              </a:ext>
+            </a:extLst>
+          </p:cNvPr>
+          <p:cNvPicPr>
+            <a:picLocks noGrp="1" noChangeAspect="1"/>
+          </p:cNvPicPr>
+          <p:nvPr>
+            <p:ph idx="1"/>
+          </p:nvPr>
+        </p:nvPicPr>
+        <p:blipFill>
+          <a:blip r:embed="rId2"/>
+          <a:stretch>
+            <a:fillRect/>
+          </a:stretch>
+        </p:blipFill>
+        <p:spPr>
+          <a:xfrm>
+            <a:off x="3811588" y="1423987"/>
+            <a:ext cx="3676650" cy="2495550"/>
+          </a:xfrm>
+          <a:prstGeom prst="rect">
+            <a:avLst/>
+          </a:prstGeom>
+        </p:spPr>
+      </p:pic>
+      <p:sp>
+        <p:nvSpPr>
+          <p:cNvPr id="5" name="TextBox 4">
+            <a:extLst>
+              <a:ext uri="{FF2B5EF4-FFF2-40B4-BE49-F238E27FC236}">
+                <a16:creationId xmlns:a16="http://schemas.microsoft.com/office/drawing/2014/main" id="{F93164BD-522D-47D7-BEA8-CB6E1D78B17D}"/>
+              </a:ext>
+            </a:extLst>
+          </p:cNvPr>
+          <p:cNvSpPr txBox="1"/>
+          <p:nvPr/>
+        </p:nvSpPr>
+        <p:spPr>
+          <a:xfrm>
+            <a:off x="4162425" y="4314825"/>
+            <a:ext cx="3325813" cy="2031325"/>
+          </a:xfrm>
+          <a:prstGeom prst="rect">
+            <a:avLst/>
+          </a:prstGeom>
+          <a:noFill/>
+        </p:spPr>
+        <p:txBody>
+          <a:bodyPr wrap="square" rtlCol="0">
+            <a:spAutoFit/>
+          </a:bodyPr>
+          <a:lstStyle/>
+          <a:p>
+            <a:r>
+              <a:rPr lang="en-US" dirty="0"/>
+              <a:t>The p value is 0 because the test statistic does not intersect the </a:t>
+            </a:r>
+            <a:r>
+              <a:rPr lang="en-US" dirty="0" err="1"/>
+              <a:t>cdf</a:t>
+            </a:r>
+            <a:r>
+              <a:rPr lang="en-US" dirty="0"/>
+              <a:t>. This means that there I no difference in means between heights and age, asserting our initial thoughts that age does not affect height, especially after 20.</a:t>
+            </a:r>
+          </a:p>
+        </p:txBody>
+      </p:sp>
+      <p:pic>
+        <p:nvPicPr>
+          <p:cNvPr id="7" name="Picture 6">
+            <a:extLst>
+              <a:ext uri="{FF2B5EF4-FFF2-40B4-BE49-F238E27FC236}">
+                <a16:creationId xmlns:a16="http://schemas.microsoft.com/office/drawing/2014/main" id="{1E1A88B2-1BAD-4779-9567-7B80475C09A2}"/>
+              </a:ext>
+            </a:extLst>
+          </p:cNvPr>
+          <p:cNvPicPr>
+            <a:picLocks noChangeAspect="1"/>
+          </p:cNvPicPr>
+          <p:nvPr/>
+        </p:nvPicPr>
+        <p:blipFill>
+          <a:blip r:embed="rId3"/>
+          <a:stretch>
+            <a:fillRect/>
+          </a:stretch>
+        </p:blipFill>
+        <p:spPr>
+          <a:xfrm>
+            <a:off x="7816156" y="1267015"/>
+            <a:ext cx="3776918" cy="4314825"/>
+          </a:xfrm>
+          <a:prstGeom prst="rect">
+            <a:avLst/>
+          </a:prstGeom>
+        </p:spPr>
+      </p:pic>
+    </p:spTree>
+    <p:extLst>
+      <p:ext uri="{BB962C8B-B14F-4D97-AF65-F5344CB8AC3E}">
+        <p14:creationId xmlns:p14="http://schemas.microsoft.com/office/powerpoint/2010/main" val="1859638207"/>
+      </p:ext>
+    </p:extLst>
+  </p:cSld>
+  <p:clrMapOvr>
+    <a:masterClrMapping/>
+  </p:clrMapOvr>
+</p:sld>
+</file>
+
+<file path=ppt/slides/slide11.xml><?xml version="1.0" encoding="utf-8"?>
+<p:sld xmlns:a="http://schemas.openxmlformats.org/drawingml/2006/main" xmlns:r="http://schemas.openxmlformats.org/officeDocument/2006/relationships" xmlns:p="http://schemas.openxmlformats.org/presentationml/2006/main">
+  <p:cSld>
+    <p:spTree>
+      <p:nvGrpSpPr>
+        <p:cNvPr id="1" name=""/>
+        <p:cNvGrpSpPr/>
+        <p:nvPr/>
+      </p:nvGrpSpPr>
+      <p:grpSpPr>
+        <a:xfrm>
+          <a:off x="0" y="0"/>
+          <a:ext cx="0" cy="0"/>
+          <a:chOff x="0" y="0"/>
+          <a:chExt cx="0" cy="0"/>
+        </a:xfrm>
+      </p:grpSpPr>
+      <p:sp>
+        <p:nvSpPr>
+          <p:cNvPr id="2" name="Title 1">
+            <a:extLst>
+              <a:ext uri="{FF2B5EF4-FFF2-40B4-BE49-F238E27FC236}">
+                <a16:creationId xmlns:a16="http://schemas.microsoft.com/office/drawing/2014/main" id="{F5197C41-6457-4169-A561-A378DCEA6295}"/>
+              </a:ext>
+            </a:extLst>
+          </p:cNvPr>
+          <p:cNvSpPr>
+            <a:spLocks noGrp="1"/>
+          </p:cNvSpPr>
+          <p:nvPr>
+            <p:ph type="title"/>
+          </p:nvPr>
+        </p:nvSpPr>
+        <p:spPr/>
+        <p:txBody>
+          <a:bodyPr/>
+          <a:lstStyle/>
+          <a:p>
+            <a:r>
+              <a:rPr lang="en-US" dirty="0"/>
+              <a:t>Conclusion</a:t>
+            </a:r>
+          </a:p>
+        </p:txBody>
+      </p:sp>
+      <p:sp>
+        <p:nvSpPr>
+          <p:cNvPr id="3" name="Content Placeholder 2">
+            <a:extLst>
+              <a:ext uri="{FF2B5EF4-FFF2-40B4-BE49-F238E27FC236}">
+                <a16:creationId xmlns:a16="http://schemas.microsoft.com/office/drawing/2014/main" id="{9559F4A7-537D-43A4-A453-69F3767C272F}"/>
+              </a:ext>
+            </a:extLst>
+          </p:cNvPr>
+          <p:cNvSpPr>
+            <a:spLocks noGrp="1"/>
+          </p:cNvSpPr>
+          <p:nvPr>
+            <p:ph idx="1"/>
+          </p:nvPr>
+        </p:nvSpPr>
+        <p:spPr/>
+        <p:txBody>
+          <a:bodyPr/>
+          <a:lstStyle/>
+          <a:p>
+            <a:r>
+              <a:rPr lang="en-US" dirty="0"/>
+              <a:t>We examined 5 different variables relating to height of individuals</a:t>
+            </a:r>
+          </a:p>
+          <a:p>
+            <a:r>
+              <a:rPr lang="en-US" dirty="0"/>
+              <a:t>We noticed that age doesn’t affect height (after 20).</a:t>
+            </a:r>
+          </a:p>
+          <a:p>
+            <a:r>
+              <a:rPr lang="en-US" dirty="0"/>
+              <a:t>We noticed that sex has an effect on height in terms of male mean height is higher than female mean height</a:t>
+            </a:r>
+          </a:p>
+          <a:p>
+            <a:r>
+              <a:rPr lang="en-US" dirty="0"/>
+              <a:t>We used various different </a:t>
+            </a:r>
+            <a:r>
+              <a:rPr lang="en-US" dirty="0" err="1"/>
+              <a:t>stastical</a:t>
+            </a:r>
+            <a:r>
+              <a:rPr lang="en-US" dirty="0"/>
+              <a:t> analysis techniques to explore this data</a:t>
+            </a:r>
+          </a:p>
+          <a:p>
+            <a:r>
+              <a:rPr lang="en-US" dirty="0"/>
+              <a:t>This class has taught me a lot, thanks for the great class!</a:t>
+            </a:r>
+          </a:p>
+        </p:txBody>
+      </p:sp>
+    </p:spTree>
+    <p:extLst>
+      <p:ext uri="{BB962C8B-B14F-4D97-AF65-F5344CB8AC3E}">
+        <p14:creationId xmlns:p14="http://schemas.microsoft.com/office/powerpoint/2010/main" val="2344267988"/>
+      </p:ext>
+    </p:extLst>
+  </p:cSld>
+  <p:clrMapOvr>
+    <a:masterClrMapping/>
+  </p:clrMapOvr>
+</p:sld>
+</file>
+
 <file path=ppt/slides/slide2.xml><?xml version="1.0" encoding="utf-8"?>
 <p:sld xmlns:a="http://schemas.openxmlformats.org/drawingml/2006/main" xmlns:r="http://schemas.openxmlformats.org/officeDocument/2006/relationships" xmlns:p="http://schemas.openxmlformats.org/presentationml/2006/main">
   <p:cSld>
@@ -4825,40 +5114,477 @@
           <a:p>
             <a:r>
               <a:rPr lang="en-US" dirty="0"/>
-              <a:t>Height PMF</a:t>
-            </a:r>
-          </a:p>
-        </p:txBody>
-      </p:sp>
-      <p:sp>
-        <p:nvSpPr>
-          <p:cNvPr id="3" name="Content Placeholder 2">
+              <a:t>Height PMF and CDF </a:t>
+            </a:r>
+          </a:p>
+        </p:txBody>
+      </p:sp>
+      <p:pic>
+        <p:nvPicPr>
+          <p:cNvPr id="4" name="Content Placeholder 3">
             <a:extLst>
               <a:ext uri="{FF2B5EF4-FFF2-40B4-BE49-F238E27FC236}">
-                <a16:creationId xmlns:a16="http://schemas.microsoft.com/office/drawing/2014/main" id="{FF80AAF8-7D3A-4C72-82AD-7F038973A700}"/>
+                <a16:creationId xmlns:a16="http://schemas.microsoft.com/office/drawing/2014/main" id="{B8095CDB-8F9A-4F22-BED5-46D8A2BF22AA}"/>
               </a:ext>
             </a:extLst>
           </p:cNvPr>
-          <p:cNvSpPr>
-            <a:spLocks noGrp="1"/>
-          </p:cNvSpPr>
+          <p:cNvPicPr>
+            <a:picLocks noGrp="1" noChangeAspect="1"/>
+          </p:cNvPicPr>
           <p:nvPr>
             <p:ph idx="1"/>
           </p:nvPr>
-        </p:nvSpPr>
-        <p:spPr/>
-        <p:txBody>
-          <a:bodyPr/>
-          <a:lstStyle/>
-          <a:p>
-            <a:endParaRPr lang="en-US" dirty="0"/>
-          </a:p>
-        </p:txBody>
-      </p:sp>
+        </p:nvPicPr>
+        <p:blipFill>
+          <a:blip r:embed="rId2"/>
+          <a:stretch>
+            <a:fillRect/>
+          </a:stretch>
+        </p:blipFill>
+        <p:spPr>
+          <a:xfrm>
+            <a:off x="7331075" y="2176653"/>
+            <a:ext cx="3705225" cy="2495550"/>
+          </a:xfrm>
+          <a:prstGeom prst="rect">
+            <a:avLst/>
+          </a:prstGeom>
+        </p:spPr>
+      </p:pic>
+      <p:sp>
+        <p:nvSpPr>
+          <p:cNvPr id="5" name="TextBox 4">
+            <a:extLst>
+              <a:ext uri="{FF2B5EF4-FFF2-40B4-BE49-F238E27FC236}">
+                <a16:creationId xmlns:a16="http://schemas.microsoft.com/office/drawing/2014/main" id="{0C0F9FC9-0EEA-4515-866C-34046C904C79}"/>
+              </a:ext>
+            </a:extLst>
+          </p:cNvPr>
+          <p:cNvSpPr txBox="1"/>
+          <p:nvPr/>
+        </p:nvSpPr>
+        <p:spPr>
+          <a:xfrm>
+            <a:off x="7905751" y="4672203"/>
+            <a:ext cx="2947482" cy="1200329"/>
+          </a:xfrm>
+          <a:prstGeom prst="rect">
+            <a:avLst/>
+          </a:prstGeom>
+          <a:noFill/>
+        </p:spPr>
+        <p:txBody>
+          <a:bodyPr wrap="square" rtlCol="0">
+            <a:spAutoFit/>
+          </a:bodyPr>
+          <a:lstStyle/>
+          <a:p>
+            <a:r>
+              <a:rPr lang="en-US" dirty="0"/>
+              <a:t>The cumulative probability at a certain height is seen through this cumulative distribution function</a:t>
+            </a:r>
+          </a:p>
+        </p:txBody>
+      </p:sp>
+      <p:pic>
+        <p:nvPicPr>
+          <p:cNvPr id="6" name="Picture 5">
+            <a:extLst>
+              <a:ext uri="{FF2B5EF4-FFF2-40B4-BE49-F238E27FC236}">
+                <a16:creationId xmlns:a16="http://schemas.microsoft.com/office/drawing/2014/main" id="{54790973-7D36-40B2-96BA-AB5BD680E1D0}"/>
+              </a:ext>
+            </a:extLst>
+          </p:cNvPr>
+          <p:cNvPicPr>
+            <a:picLocks noChangeAspect="1"/>
+          </p:cNvPicPr>
+          <p:nvPr/>
+        </p:nvPicPr>
+        <p:blipFill>
+          <a:blip r:embed="rId3"/>
+          <a:stretch>
+            <a:fillRect/>
+          </a:stretch>
+        </p:blipFill>
+        <p:spPr>
+          <a:xfrm>
+            <a:off x="3657601" y="2176653"/>
+            <a:ext cx="3790950" cy="2495550"/>
+          </a:xfrm>
+          <a:prstGeom prst="rect">
+            <a:avLst/>
+          </a:prstGeom>
+        </p:spPr>
+      </p:pic>
     </p:spTree>
     <p:extLst>
       <p:ext uri="{BB962C8B-B14F-4D97-AF65-F5344CB8AC3E}">
         <p14:creationId xmlns:p14="http://schemas.microsoft.com/office/powerpoint/2010/main" val="3556242096"/>
+      </p:ext>
+    </p:extLst>
+  </p:cSld>
+  <p:clrMapOvr>
+    <a:masterClrMapping/>
+  </p:clrMapOvr>
+</p:sld>
+</file>
+
+<file path=ppt/slides/slide9.xml><?xml version="1.0" encoding="utf-8"?>
+<p:sld xmlns:a="http://schemas.openxmlformats.org/drawingml/2006/main" xmlns:r="http://schemas.openxmlformats.org/officeDocument/2006/relationships" xmlns:p="http://schemas.openxmlformats.org/presentationml/2006/main">
+  <p:cSld>
+    <p:spTree>
+      <p:nvGrpSpPr>
+        <p:cNvPr id="1" name=""/>
+        <p:cNvGrpSpPr/>
+        <p:nvPr/>
+      </p:nvGrpSpPr>
+      <p:grpSpPr>
+        <a:xfrm>
+          <a:off x="0" y="0"/>
+          <a:ext cx="0" cy="0"/>
+          <a:chOff x="0" y="0"/>
+          <a:chExt cx="0" cy="0"/>
+        </a:xfrm>
+      </p:grpSpPr>
+      <p:sp>
+        <p:nvSpPr>
+          <p:cNvPr id="2" name="Title 1">
+            <a:extLst>
+              <a:ext uri="{FF2B5EF4-FFF2-40B4-BE49-F238E27FC236}">
+                <a16:creationId xmlns:a16="http://schemas.microsoft.com/office/drawing/2014/main" id="{CBE93154-81BF-497E-8A9A-096918561A15}"/>
+              </a:ext>
+            </a:extLst>
+          </p:cNvPr>
+          <p:cNvSpPr>
+            <a:spLocks noGrp="1"/>
+          </p:cNvSpPr>
+          <p:nvPr>
+            <p:ph type="title"/>
+          </p:nvPr>
+        </p:nvSpPr>
+        <p:spPr/>
+        <p:txBody>
+          <a:bodyPr/>
+          <a:lstStyle/>
+          <a:p>
+            <a:r>
+              <a:rPr lang="en-US" dirty="0"/>
+              <a:t>Analytical Distribution and Scatterplots</a:t>
+            </a:r>
+          </a:p>
+        </p:txBody>
+      </p:sp>
+      <p:pic>
+        <p:nvPicPr>
+          <p:cNvPr id="1026" name="Picture 2">
+            <a:extLst>
+              <a:ext uri="{FF2B5EF4-FFF2-40B4-BE49-F238E27FC236}">
+                <a16:creationId xmlns:a16="http://schemas.microsoft.com/office/drawing/2014/main" id="{1A610E16-012C-40C2-A726-046362110458}"/>
+              </a:ext>
+            </a:extLst>
+          </p:cNvPr>
+          <p:cNvPicPr>
+            <a:picLocks noGrp="1" noChangeAspect="1" noChangeArrowheads="1"/>
+          </p:cNvPicPr>
+          <p:nvPr>
+            <p:ph idx="1"/>
+          </p:nvPr>
+        </p:nvPicPr>
+        <p:blipFill>
+          <a:blip r:embed="rId2">
+            <a:extLst>
+              <a:ext uri="{28A0092B-C50C-407E-A947-70E740481C1C}">
+                <a14:useLocalDpi xmlns:a14="http://schemas.microsoft.com/office/drawing/2010/main" val="0"/>
+              </a:ext>
+            </a:extLst>
+          </a:blip>
+          <a:srcRect/>
+          <a:stretch>
+            <a:fillRect/>
+          </a:stretch>
+        </p:blipFill>
+        <p:spPr bwMode="auto">
+          <a:xfrm>
+            <a:off x="3713474" y="1123837"/>
+            <a:ext cx="3976239" cy="2657588"/>
+          </a:xfrm>
+          <a:prstGeom prst="rect">
+            <a:avLst/>
+          </a:prstGeom>
+          <a:noFill/>
+          <a:extLst>
+            <a:ext uri="{909E8E84-426E-40DD-AFC4-6F175D3DCCD1}">
+              <a14:hiddenFill xmlns:a14="http://schemas.microsoft.com/office/drawing/2010/main">
+                <a:solidFill>
+                  <a:srgbClr val="FFFFFF"/>
+                </a:solidFill>
+              </a14:hiddenFill>
+            </a:ext>
+          </a:extLst>
+        </p:spPr>
+      </p:pic>
+      <p:sp>
+        <p:nvSpPr>
+          <p:cNvPr id="4" name="TextBox 3">
+            <a:extLst>
+              <a:ext uri="{FF2B5EF4-FFF2-40B4-BE49-F238E27FC236}">
+                <a16:creationId xmlns:a16="http://schemas.microsoft.com/office/drawing/2014/main" id="{53CA03D3-46AF-4197-9880-8EC01CC2E541}"/>
+              </a:ext>
+            </a:extLst>
+          </p:cNvPr>
+          <p:cNvSpPr txBox="1"/>
+          <p:nvPr/>
+        </p:nvSpPr>
+        <p:spPr>
+          <a:xfrm>
+            <a:off x="4048126" y="3990975"/>
+            <a:ext cx="3743324" cy="2308324"/>
+          </a:xfrm>
+          <a:prstGeom prst="rect">
+            <a:avLst/>
+          </a:prstGeom>
+          <a:noFill/>
+        </p:spPr>
+        <p:txBody>
+          <a:bodyPr wrap="square" rtlCol="0">
+            <a:spAutoFit/>
+          </a:bodyPr>
+          <a:lstStyle/>
+          <a:p>
+            <a:r>
+              <a:rPr lang="en-US" dirty="0"/>
+              <a:t>Age doesn’t seem to have any relationship with the height of an individual because there is no apparent correlation and it is non linear.</a:t>
+            </a:r>
+          </a:p>
+          <a:p>
+            <a:endParaRPr lang="en-US" dirty="0"/>
+          </a:p>
+          <a:p>
+            <a:endParaRPr lang="en-US" dirty="0"/>
+          </a:p>
+          <a:p>
+            <a:r>
+              <a:rPr lang="en-US" dirty="0"/>
+              <a:t>Correlation does not mean Causation</a:t>
+            </a:r>
+          </a:p>
+        </p:txBody>
+      </p:sp>
+      <p:pic>
+        <p:nvPicPr>
+          <p:cNvPr id="5" name="Picture 4">
+            <a:extLst>
+              <a:ext uri="{FF2B5EF4-FFF2-40B4-BE49-F238E27FC236}">
+                <a16:creationId xmlns:a16="http://schemas.microsoft.com/office/drawing/2014/main" id="{05A35F15-407D-4155-8659-0C1747A37278}"/>
+              </a:ext>
+            </a:extLst>
+          </p:cNvPr>
+          <p:cNvPicPr>
+            <a:picLocks noChangeAspect="1"/>
+          </p:cNvPicPr>
+          <p:nvPr/>
+        </p:nvPicPr>
+        <p:blipFill>
+          <a:blip r:embed="rId3"/>
+          <a:stretch>
+            <a:fillRect/>
+          </a:stretch>
+        </p:blipFill>
+        <p:spPr>
+          <a:xfrm>
+            <a:off x="7689713" y="1204856"/>
+            <a:ext cx="3752850" cy="2495550"/>
+          </a:xfrm>
+          <a:prstGeom prst="rect">
+            <a:avLst/>
+          </a:prstGeom>
+        </p:spPr>
+      </p:pic>
+      <p:sp>
+        <p:nvSpPr>
+          <p:cNvPr id="9" name="TextBox 8">
+            <a:extLst>
+              <a:ext uri="{FF2B5EF4-FFF2-40B4-BE49-F238E27FC236}">
+                <a16:creationId xmlns:a16="http://schemas.microsoft.com/office/drawing/2014/main" id="{7DAF5676-2793-4A66-820B-212265DD6736}"/>
+              </a:ext>
+            </a:extLst>
+          </p:cNvPr>
+          <p:cNvSpPr txBox="1"/>
+          <p:nvPr/>
+        </p:nvSpPr>
+        <p:spPr>
+          <a:xfrm>
+            <a:off x="7812822" y="3990974"/>
+            <a:ext cx="4126259" cy="2308324"/>
+          </a:xfrm>
+          <a:prstGeom prst="rect">
+            <a:avLst/>
+          </a:prstGeom>
+          <a:noFill/>
+        </p:spPr>
+        <p:txBody>
+          <a:bodyPr wrap="square">
+            <a:spAutoFit/>
+          </a:bodyPr>
+          <a:lstStyle/>
+          <a:p>
+            <a:r>
+              <a:rPr lang="en-US" dirty="0"/>
+              <a:t>Sex does seem to have a relationship with the height of an individual because male tends to have a higher mean height than females. So sex has a correlation towards height, males are favored by this scatterplot.</a:t>
+            </a:r>
+          </a:p>
+          <a:p>
+            <a:endParaRPr lang="en-US" dirty="0"/>
+          </a:p>
+          <a:p>
+            <a:endParaRPr lang="en-US" dirty="0"/>
+          </a:p>
+        </p:txBody>
+      </p:sp>
+      <p:sp>
+        <p:nvSpPr>
+          <p:cNvPr id="7" name="Rectangle 5">
+            <a:extLst>
+              <a:ext uri="{FF2B5EF4-FFF2-40B4-BE49-F238E27FC236}">
+                <a16:creationId xmlns:a16="http://schemas.microsoft.com/office/drawing/2014/main" id="{A3A595F8-F617-4885-B83C-A5A9F5728B60}"/>
+              </a:ext>
+            </a:extLst>
+          </p:cNvPr>
+          <p:cNvSpPr>
+            <a:spLocks noChangeArrowheads="1"/>
+          </p:cNvSpPr>
+          <p:nvPr/>
+        </p:nvSpPr>
+        <p:spPr bwMode="auto">
+          <a:xfrm>
+            <a:off x="5919788" y="3833012"/>
+            <a:ext cx="4991100" cy="153888"/>
+          </a:xfrm>
+          <a:prstGeom prst="rect">
+            <a:avLst/>
+          </a:prstGeom>
+          <a:solidFill>
+            <a:srgbClr val="FFFFFF"/>
+          </a:solidFill>
+          <a:ln>
+            <a:noFill/>
+          </a:ln>
+          <a:effectLst/>
+          <a:extLst>
+            <a:ext uri="{91240B29-F687-4F45-9708-019B960494DF}">
+              <a14:hiddenLine xmlns:a14="http://schemas.microsoft.com/office/drawing/2010/main" w="9525">
+                <a:solidFill>
+                  <a:schemeClr val="tx1"/>
+                </a:solidFill>
+                <a:miter lim="800000"/>
+                <a:headEnd/>
+                <a:tailEnd/>
+              </a14:hiddenLine>
+            </a:ext>
+            <a:ext uri="{AF507438-7753-43E0-B8FC-AC1667EBCBE1}">
+              <a14:hiddenEffects xmlns:a14="http://schemas.microsoft.com/office/drawing/2010/main">
+                <a:effectLst>
+                  <a:outerShdw dist="35921" dir="2700000" algn="ctr" rotWithShape="0">
+                    <a:schemeClr val="bg2"/>
+                  </a:outerShdw>
+                </a:effectLst>
+              </a14:hiddenEffects>
+            </a:ext>
+          </a:extLst>
+        </p:spPr>
+        <p:txBody>
+          <a:bodyPr vert="horz" wrap="square" lIns="0" tIns="0" rIns="0" bIns="0" numCol="1" anchor="ctr" anchorCtr="0" compatLnSpc="1">
+            <a:prstTxWarp prst="textNoShape">
+              <a:avLst/>
+            </a:prstTxWarp>
+            <a:spAutoFit/>
+          </a:bodyPr>
+          <a:lstStyle/>
+          <a:p>
+            <a:pPr marL="0" marR="0" lvl="0" indent="0" algn="l" defTabSz="914400" rtl="0" eaLnBrk="0" fontAlgn="base" latinLnBrk="0" hangingPunct="0">
+              <a:lnSpc>
+                <a:spcPct val="100000"/>
+              </a:lnSpc>
+              <a:spcBef>
+                <a:spcPct val="0"/>
+              </a:spcBef>
+              <a:spcAft>
+                <a:spcPct val="0"/>
+              </a:spcAft>
+              <a:buClrTx/>
+              <a:buSzTx/>
+              <a:buFontTx/>
+              <a:buNone/>
+              <a:tabLst/>
+            </a:pPr>
+            <a:r>
+              <a:rPr kumimoji="0" lang="en-US" altLang="en-US" sz="1000" b="0" i="0" u="none" strike="noStrike" cap="none" normalizeH="0" baseline="0" dirty="0">
+                <a:ln>
+                  <a:noFill/>
+                </a:ln>
+                <a:solidFill>
+                  <a:srgbClr val="000000"/>
+                </a:solidFill>
+                <a:effectLst/>
+                <a:latin typeface="Courier New" panose="02070309020205020404" pitchFamily="49" charset="0"/>
+              </a:rPr>
+              <a:t>Cor -0.13651458389152527 </a:t>
+            </a:r>
+            <a:r>
+              <a:rPr kumimoji="0" lang="en-US" altLang="en-US" sz="1000" b="0" i="0" u="none" strike="noStrike" cap="none" normalizeH="0" baseline="0" dirty="0" err="1">
+                <a:ln>
+                  <a:noFill/>
+                </a:ln>
+                <a:solidFill>
+                  <a:srgbClr val="000000"/>
+                </a:solidFill>
+                <a:effectLst/>
+                <a:latin typeface="Courier New" panose="02070309020205020404" pitchFamily="49" charset="0"/>
+              </a:rPr>
+              <a:t>SpearmanCor</a:t>
+            </a:r>
+            <a:r>
+              <a:rPr kumimoji="0" lang="en-US" altLang="en-US" sz="1000" b="0" i="0" u="none" strike="noStrike" cap="none" normalizeH="0" baseline="0" dirty="0">
+                <a:ln>
+                  <a:noFill/>
+                </a:ln>
+                <a:solidFill>
+                  <a:srgbClr val="000000"/>
+                </a:solidFill>
+                <a:effectLst/>
+                <a:latin typeface="Courier New" panose="02070309020205020404" pitchFamily="49" charset="0"/>
+              </a:rPr>
+              <a:t> -0.11741428808227329</a:t>
+            </a:r>
+            <a:r>
+              <a:rPr kumimoji="0" lang="en-US" altLang="en-US" sz="800" b="0" i="0" u="none" strike="noStrike" cap="none" normalizeH="0" baseline="0" dirty="0">
+                <a:ln>
+                  <a:noFill/>
+                </a:ln>
+                <a:solidFill>
+                  <a:schemeClr val="tx1"/>
+                </a:solidFill>
+                <a:effectLst/>
+              </a:rPr>
+              <a:t> </a:t>
+            </a:r>
+            <a:endParaRPr kumimoji="0" lang="en-US" altLang="en-US" sz="1800" b="0" i="0" u="none" strike="noStrike" cap="none" normalizeH="0" baseline="0" dirty="0">
+              <a:ln>
+                <a:noFill/>
+              </a:ln>
+              <a:solidFill>
+                <a:schemeClr val="tx1"/>
+              </a:solidFill>
+              <a:effectLst/>
+              <a:latin typeface="Arial" panose="020B0604020202020204" pitchFamily="34" charset="0"/>
+            </a:endParaRPr>
+          </a:p>
+        </p:txBody>
+      </p:sp>
+    </p:spTree>
+    <p:extLst>
+      <p:ext uri="{BB962C8B-B14F-4D97-AF65-F5344CB8AC3E}">
+        <p14:creationId xmlns:p14="http://schemas.microsoft.com/office/powerpoint/2010/main" val="4023933804"/>
       </p:ext>
     </p:extLst>
   </p:cSld>
